--- a/network_labeled.pptx
+++ b/network_labeled.pptx
@@ -3699,7 +3699,7 @@
                   <a:ea typeface="나눔스퀘어 Bold" panose="020B0600000101010101" pitchFamily="50" charset="-127"/>
                   <a:cs typeface="Open Sans" panose="020B0606030504020204" pitchFamily="34" charset="0"/>
                 </a:rPr>
-                <a:t>'The strength of material</a:t>
+                <a:t>The strength of material</a:t>
               </a:r>
               <a:endParaRPr lang="ko-KR" altLang="en-US" sz="1500" dirty="0">
                 <a:latin typeface="나눔스퀘어 Bold" panose="020B0600000101010101" pitchFamily="50" charset="-127"/>
